--- a/IS609-Final-Projects.pptx
+++ b/IS609-Final-Projects.pptx
@@ -33,6 +33,7 @@
     <p:sldId id="276" r:id="rId26"/>
     <p:sldId id="277" r:id="rId27"/>
     <p:sldId id="278" r:id="rId28"/>
+    <p:sldId id="279" r:id="rId29"/>
   </p:sldIdLst>
   <p:sldSz cx="9144000" cy="6858000"/>
   <p:notesSz cx="6858000" cy="9144000"/>
@@ -208,7 +209,7 @@
           <a:bodyPr lIns="0" rIns="0" tIns="0" bIns="0" anchor="b"/>
           <a:p>
             <a:pPr algn="r"/>
-            <a:fld id="{19DDBF35-C3AE-4090-8874-4A12C6DBAEF6}" type="slidenum">
+            <a:fld id="{AD125EE5-E499-49E9-9D6C-C2B8B2FDBE73}" type="slidenum">
               <a:rPr lang="en-US" sz="1400">
                 <a:latin typeface="Times New Roman"/>
               </a:rPr>
@@ -224,7 +225,7 @@
 </p:notesMaster>
 </file>
 
-<file path=ppt/notesSlides/notesSlide22.xml><?xml version="1.0" encoding="utf-8"?>
+<file path=ppt/notesSlides/notesSlide23.xml><?xml version="1.0" encoding="utf-8"?>
 <p:notes xmlns:a="http://schemas.openxmlformats.org/drawingml/2006/main" xmlns:p="http://schemas.openxmlformats.org/presentationml/2006/main" xmlns:r="http://schemas.openxmlformats.org/officeDocument/2006/relationships">
   <p:cSld>
     <p:spTree>
@@ -243,7 +244,7 @@
       </p:grpSpPr>
       <p:sp>
         <p:nvSpPr>
-          <p:cNvPr id="213" name="PlaceHolder 1"/>
+          <p:cNvPr id="217" name="PlaceHolder 1"/>
           <p:cNvSpPr>
             <a:spLocks noGrp="1"/>
           </p:cNvSpPr>
@@ -269,7 +270,7 @@
       </p:sp>
       <p:sp>
         <p:nvSpPr>
-          <p:cNvPr id="214" name="TextShape 2"/>
+          <p:cNvPr id="218" name="TextShape 2"/>
           <p:cNvSpPr txBox="1"/>
           <p:nvPr/>
         </p:nvSpPr>
@@ -290,7 +291,7 @@
                 <a:spcPct val="100000"/>
               </a:lnSpc>
             </a:pPr>
-            <a:fld id="{6F018034-ED4B-4B34-A8C4-DB0D259B2B19}" type="slidenum">
+            <a:fld id="{D064C300-21DD-4D27-8486-897A1661B339}" type="slidenum">
               <a:rPr lang="en-US" sz="1200">
                 <a:solidFill>
                   <a:srgbClr val="000000"/>
@@ -3914,7 +3915,7 @@
                 <a:spcPct val="100000"/>
               </a:lnSpc>
             </a:pPr>
-            <a:fld id="{9BF2F862-5A14-4D60-B899-571F53097762}" type="slidenum">
+            <a:fld id="{2396C562-D15D-4C03-AFE5-57ADC4B2E880}" type="slidenum">
               <a:rPr lang="en-US" sz="1100">
                 <a:solidFill>
                   <a:srgbClr val="ffffff"/>
@@ -4283,7 +4284,7 @@
                 <a:spcPct val="100000"/>
               </a:lnSpc>
             </a:pPr>
-            <a:fld id="{CA1829AD-B186-43DA-96E9-A8385B4FAF13}" type="slidenum">
+            <a:fld id="{AFACC59E-7AD7-4ABC-9036-49EEB7572B27}" type="slidenum">
               <a:rPr lang="en-US" sz="1100">
                 <a:solidFill>
                   <a:srgbClr val="ffffff"/>
@@ -4711,7 +4712,7 @@
                 <a:spcPct val="100000"/>
               </a:lnSpc>
             </a:pPr>
-            <a:fld id="{344D9E62-16FE-48B2-96D2-87CCB1E95A0A}" type="slidenum">
+            <a:fld id="{051ECCF7-4E00-4EFE-9700-EACB8F2B78CA}" type="slidenum">
               <a:rPr lang="en-US" sz="1100">
                 <a:solidFill>
                   <a:srgbClr val="ffffff"/>
@@ -6921,6 +6922,14 @@
               <a:buFont typeface="Arial"/>
               <a:buChar char="•"/>
             </a:pPr>
+            <a:endParaRPr/>
+          </a:p>
+          <a:p>
+            <a:pPr>
+              <a:lnSpc>
+                <a:spcPct val="100000"/>
+              </a:lnSpc>
+            </a:pPr>
             <a:r>
               <a:rPr lang="en-US" sz="1700">
                 <a:solidFill>
@@ -6928,7 +6937,7 @@
                 </a:solidFill>
                 <a:latin typeface="Arial Narrow"/>
               </a:rPr>
-              <a:t>SSA contribution</a:t>
+              <a:t>SSA Contributions: </a:t>
             </a:r>
             <a:endParaRPr/>
           </a:p>
@@ -6947,7 +6956,7 @@
                 </a:solidFill>
                 <a:latin typeface="Arial Narrow"/>
               </a:rPr>
-              <a:t>SSA benefit</a:t>
+              <a:t>SSA tax rate has been around 5% for the employed and 10% for the self-employed.</a:t>
             </a:r>
             <a:endParaRPr/>
           </a:p>
@@ -6959,6 +6968,15 @@
               <a:buFont typeface="Arial"/>
               <a:buChar char="•"/>
             </a:pPr>
+            <a:r>
+              <a:rPr lang="en-US" sz="1700">
+                <a:solidFill>
+                  <a:srgbClr val="ffffff"/>
+                </a:solidFill>
+                <a:latin typeface="Arial Narrow"/>
+              </a:rPr>
+              <a:t>There is also a maximum taxable earnings, currently at $113,700 for 2013. </a:t>
+            </a:r>
             <a:endParaRPr/>
           </a:p>
           <a:p>
@@ -6966,6 +6984,16 @@
               <a:lnSpc>
                 <a:spcPct val="100000"/>
               </a:lnSpc>
+              <a:buFont typeface="Arial"/>
+              <a:buChar char="•"/>
+            </a:pPr>
+            <a:endParaRPr/>
+          </a:p>
+          <a:p>
+            <a:pPr>
+              <a:lnSpc>
+                <a:spcPct val="100000"/>
+              </a:lnSpc>
             </a:pPr>
             <a:r>
               <a:rPr lang="en-US" sz="1700">
@@ -6974,6 +7002,88 @@
                 </a:solidFill>
                 <a:latin typeface="Arial Narrow"/>
               </a:rPr>
+              <a:t>SSA Benefits: </a:t>
+            </a:r>
+            <a:endParaRPr/>
+          </a:p>
+          <a:p>
+            <a:pPr>
+              <a:lnSpc>
+                <a:spcPct val="100000"/>
+              </a:lnSpc>
+              <a:buFont typeface="Arial"/>
+              <a:buChar char="•"/>
+            </a:pPr>
+            <a:r>
+              <a:rPr lang="en-US" sz="1700">
+                <a:solidFill>
+                  <a:srgbClr val="ffffff"/>
+                </a:solidFill>
+                <a:latin typeface="Arial Narrow"/>
+              </a:rPr>
+              <a:t>Benefits payouts can start at age 62, but delayed retirement (up to age 70) can increase payout.</a:t>
+            </a:r>
+            <a:endParaRPr/>
+          </a:p>
+          <a:p>
+            <a:pPr>
+              <a:lnSpc>
+                <a:spcPct val="100000"/>
+              </a:lnSpc>
+              <a:buFont typeface="Arial"/>
+              <a:buChar char="•"/>
+            </a:pPr>
+            <a:r>
+              <a:rPr lang="en-US" sz="1700">
+                <a:solidFill>
+                  <a:srgbClr val="ffffff"/>
+                </a:solidFill>
+                <a:latin typeface="Arial Narrow"/>
+              </a:rPr>
+              <a:t>Benefit calculation is inflation adjusted with the past highest 35 years in earnings.</a:t>
+            </a:r>
+            <a:endParaRPr/>
+          </a:p>
+          <a:p>
+            <a:pPr>
+              <a:lnSpc>
+                <a:spcPct val="100000"/>
+              </a:lnSpc>
+              <a:buFont typeface="Arial"/>
+              <a:buChar char="•"/>
+            </a:pPr>
+            <a:r>
+              <a:rPr lang="en-US" sz="1700">
+                <a:solidFill>
+                  <a:srgbClr val="ffffff"/>
+                </a:solidFill>
+                <a:latin typeface="Arial Narrow"/>
+              </a:rPr>
+              <a:t>Benefit payouts are inflation adjusted and can also be claimed by spouse upon death.</a:t>
+            </a:r>
+            <a:endParaRPr/>
+          </a:p>
+          <a:p>
+            <a:pPr>
+              <a:lnSpc>
+                <a:spcPct val="100000"/>
+              </a:lnSpc>
+            </a:pPr>
+            <a:endParaRPr/>
+          </a:p>
+          <a:p>
+            <a:pPr>
+              <a:lnSpc>
+                <a:spcPct val="100000"/>
+              </a:lnSpc>
+            </a:pPr>
+            <a:r>
+              <a:rPr lang="en-US" sz="1700">
+                <a:solidFill>
+                  <a:srgbClr val="ffffff"/>
+                </a:solidFill>
+                <a:latin typeface="Arial Narrow"/>
+              </a:rPr>
               <a:t>	</a:t>
             </a:r>
             <a:r>
@@ -6983,7 +7093,7 @@
                 </a:solidFill>
                 <a:latin typeface="Arial Narrow"/>
               </a:rPr>
-              <a:t>Social Security is meant to be supplemental income during retirement.</a:t>
+              <a:t>Social Security is only meant to be supplemental income during retirement, but many do make use of it as their sole source of income.</a:t>
             </a:r>
             <a:endParaRPr/>
           </a:p>
@@ -7183,6 +7293,14 @@
               <a:buFont typeface="Arial"/>
               <a:buChar char="•"/>
             </a:pPr>
+            <a:endParaRPr/>
+          </a:p>
+          <a:p>
+            <a:pPr>
+              <a:lnSpc>
+                <a:spcPct val="100000"/>
+              </a:lnSpc>
+            </a:pPr>
             <a:r>
               <a:rPr lang="en-US" sz="1700">
                 <a:solidFill>
@@ -7190,7 +7308,7 @@
                 </a:solidFill>
                 <a:latin typeface="Arial Narrow"/>
               </a:rPr>
-              <a:t>401k Contribution is voluntarily made with a variable company match.</a:t>
+              <a:t>401(k) Contribution: </a:t>
             </a:r>
             <a:endParaRPr/>
           </a:p>
@@ -7202,6 +7320,15 @@
               <a:buFont typeface="Arial"/>
               <a:buChar char="•"/>
             </a:pPr>
+            <a:r>
+              <a:rPr lang="en-US" sz="1700">
+                <a:solidFill>
+                  <a:srgbClr val="ffffff"/>
+                </a:solidFill>
+                <a:latin typeface="Arial Narrow"/>
+              </a:rPr>
+              <a:t>The maximum amount that can be contributed is currently $17,500.</a:t>
+            </a:r>
             <a:endParaRPr/>
           </a:p>
           <a:p>
@@ -7209,6 +7336,8 @@
               <a:lnSpc>
                 <a:spcPct val="100000"/>
               </a:lnSpc>
+              <a:buFont typeface="Arial"/>
+              <a:buChar char="•"/>
             </a:pPr>
             <a:r>
               <a:rPr lang="en-US" sz="1700">
@@ -7217,6 +7346,98 @@
                 </a:solidFill>
                 <a:latin typeface="Arial Narrow"/>
               </a:rPr>
+              <a:t>401K Contribution is voluntarily made with a possible company match.</a:t>
+            </a:r>
+            <a:endParaRPr/>
+          </a:p>
+          <a:p>
+            <a:pPr>
+              <a:lnSpc>
+                <a:spcPct val="100000"/>
+              </a:lnSpc>
+              <a:buFont typeface="Arial"/>
+              <a:buChar char="•"/>
+            </a:pPr>
+            <a:endParaRPr/>
+          </a:p>
+          <a:p>
+            <a:pPr>
+              <a:lnSpc>
+                <a:spcPct val="100000"/>
+              </a:lnSpc>
+            </a:pPr>
+            <a:r>
+              <a:rPr lang="en-US" sz="1700">
+                <a:solidFill>
+                  <a:srgbClr val="ffffff"/>
+                </a:solidFill>
+                <a:latin typeface="Arial Narrow"/>
+              </a:rPr>
+              <a:t>401(k) Withdrawals: </a:t>
+            </a:r>
+            <a:endParaRPr/>
+          </a:p>
+          <a:p>
+            <a:pPr>
+              <a:lnSpc>
+                <a:spcPct val="100000"/>
+              </a:lnSpc>
+              <a:buFont typeface="Arial"/>
+              <a:buChar char="•"/>
+            </a:pPr>
+            <a:r>
+              <a:rPr lang="en-US" sz="1700">
+                <a:solidFill>
+                  <a:srgbClr val="ffffff"/>
+                </a:solidFill>
+                <a:latin typeface="Arial Narrow"/>
+              </a:rPr>
+              <a:t>Withdrawal without penalty starts at 59.5 years of age.</a:t>
+            </a:r>
+            <a:endParaRPr/>
+          </a:p>
+          <a:p>
+            <a:pPr>
+              <a:lnSpc>
+                <a:spcPct val="100000"/>
+              </a:lnSpc>
+              <a:buFont typeface="Arial"/>
+              <a:buChar char="•"/>
+            </a:pPr>
+            <a:r>
+              <a:rPr lang="en-US" sz="1700">
+                <a:solidFill>
+                  <a:srgbClr val="ffffff"/>
+                </a:solidFill>
+                <a:latin typeface="Arial Narrow"/>
+              </a:rPr>
+              <a:t>There is a required minimum distribution (RMD) starting at 70.5 years or start retirement.</a:t>
+            </a:r>
+            <a:endParaRPr/>
+          </a:p>
+          <a:p>
+            <a:pPr>
+              <a:lnSpc>
+                <a:spcPct val="100000"/>
+              </a:lnSpc>
+              <a:buFont typeface="Arial"/>
+              <a:buChar char="•"/>
+            </a:pPr>
+            <a:endParaRPr/>
+          </a:p>
+          <a:p>
+            <a:pPr>
+              <a:lnSpc>
+                <a:spcPct val="100000"/>
+              </a:lnSpc>
+            </a:pPr>
+            <a:r>
+              <a:rPr lang="en-US" sz="1700">
+                <a:solidFill>
+                  <a:srgbClr val="ffffff"/>
+                </a:solidFill>
+                <a:latin typeface="Arial Narrow"/>
+              </a:rPr>
               <a:t>	</a:t>
             </a:r>
             <a:r>
@@ -7226,7 +7447,7 @@
                 </a:solidFill>
                 <a:latin typeface="Arial Narrow"/>
               </a:rPr>
-              <a:t>Since contributions to 401(k) compound over time, it is best to for a participant to start saving early and maximize contribution into the plan whenever possible. </a:t>
+              <a:t>Since contributions to 401K compound over time, it is best to for a participant to start saving early and maximize contribution into the plan whenever possible. </a:t>
             </a:r>
             <a:endParaRPr/>
           </a:p>
@@ -7395,7 +7616,7 @@
                 </a:solidFill>
                 <a:latin typeface="Arial Narrow"/>
               </a:rPr>
-              <a:t>Difference between the two: </a:t>
+              <a:t>SSA: </a:t>
             </a:r>
             <a:endParaRPr/>
           </a:p>
@@ -7407,6 +7628,15 @@
               <a:buFont typeface="Arial"/>
               <a:buChar char="•"/>
             </a:pPr>
+            <a:r>
+              <a:rPr lang="en-US" sz="1700">
+                <a:solidFill>
+                  <a:srgbClr val="ffffff"/>
+                </a:solidFill>
+                <a:latin typeface="Arial Narrow"/>
+              </a:rPr>
+              <a:t>Since SSA is funded by payroll taxes, contribution is automatically taken care by the government.</a:t>
+            </a:r>
             <a:endParaRPr/>
           </a:p>
           <a:p>
@@ -7417,6 +7647,108 @@
               <a:buFont typeface="Arial"/>
               <a:buChar char="•"/>
             </a:pPr>
+            <a:r>
+              <a:rPr lang="en-US" sz="1700">
+                <a:solidFill>
+                  <a:srgbClr val="ffffff"/>
+                </a:solidFill>
+                <a:latin typeface="Arial Narrow"/>
+              </a:rPr>
+              <a:t>There is a projected shortfall of the trust fund in 2037. However, increasing payroll taxes and benefit reductions would alleviate this concern.</a:t>
+            </a:r>
+            <a:endParaRPr/>
+          </a:p>
+          <a:p>
+            <a:pPr>
+              <a:lnSpc>
+                <a:spcPct val="100000"/>
+              </a:lnSpc>
+              <a:buFont typeface="Arial"/>
+              <a:buChar char="•"/>
+            </a:pPr>
+            <a:endParaRPr/>
+          </a:p>
+          <a:p>
+            <a:pPr>
+              <a:lnSpc>
+                <a:spcPct val="100000"/>
+              </a:lnSpc>
+            </a:pPr>
+            <a:r>
+              <a:rPr lang="en-US" sz="1700">
+                <a:solidFill>
+                  <a:srgbClr val="ffffff"/>
+                </a:solidFill>
+                <a:latin typeface="Arial Narrow"/>
+              </a:rPr>
+              <a:t>401(k) Defined-Contribution Plan: </a:t>
+            </a:r>
+            <a:endParaRPr/>
+          </a:p>
+          <a:p>
+            <a:pPr>
+              <a:lnSpc>
+                <a:spcPct val="100000"/>
+              </a:lnSpc>
+              <a:buFont typeface="Arial"/>
+              <a:buChar char="•"/>
+            </a:pPr>
+            <a:r>
+              <a:rPr lang="en-US" sz="1700">
+                <a:solidFill>
+                  <a:srgbClr val="ffffff"/>
+                </a:solidFill>
+                <a:latin typeface="Arial Narrow"/>
+              </a:rPr>
+              <a:t>Since a larger portion of one's income can be contributed to a 401K, it should be the main source of income for those with access to it.</a:t>
+            </a:r>
+            <a:endParaRPr/>
+          </a:p>
+          <a:p>
+            <a:pPr>
+              <a:lnSpc>
+                <a:spcPct val="100000"/>
+              </a:lnSpc>
+              <a:buFont typeface="Arial"/>
+              <a:buChar char="•"/>
+            </a:pPr>
+            <a:r>
+              <a:rPr lang="en-US" sz="1700">
+                <a:solidFill>
+                  <a:srgbClr val="ffffff"/>
+                </a:solidFill>
+                <a:latin typeface="Arial Narrow"/>
+              </a:rPr>
+              <a:t>The returns of a 401K plan is dependent on the investment choices made.</a:t>
+            </a:r>
+            <a:endParaRPr/>
+          </a:p>
+          <a:p>
+            <a:pPr>
+              <a:lnSpc>
+                <a:spcPct val="100000"/>
+              </a:lnSpc>
+              <a:buFont typeface="Arial"/>
+              <a:buChar char="•"/>
+            </a:pPr>
+            <a:r>
+              <a:rPr lang="en-US" sz="1700">
+                <a:solidFill>
+                  <a:srgbClr val="ffffff"/>
+                </a:solidFill>
+                <a:latin typeface="Arial Narrow"/>
+              </a:rPr>
+              <a:t> </a:t>
+            </a:r>
+            <a:r>
+              <a:rPr lang="en-US" sz="1700">
+                <a:solidFill>
+                  <a:srgbClr val="ffffff"/>
+                </a:solidFill>
+                <a:latin typeface="Arial Narrow"/>
+              </a:rPr>
+              <a:t>Management fees with the choice of investments made also needs to be considered.</a:t>
+            </a:r>
             <a:endParaRPr/>
           </a:p>
           <a:p>
@@ -7704,7 +8036,7 @@
                 </a:solidFill>
                 <a:latin typeface="Arial Narrow"/>
               </a:rPr>
-              <a:t>CoNCLUSION</a:t>
+              <a:t>Modeling When to Retire</a:t>
             </a:r>
             <a:endParaRPr/>
           </a:p>
@@ -7740,7 +8072,7 @@
                 </a:solidFill>
                 <a:latin typeface="Arial Narrow"/>
               </a:rPr>
-              <a:t>This best way to maximize savings for retirement is to maximize contributions into a 401K account as early as possible on the planning horizon. </a:t>
+              <a:t>Assumptions for Modeling: </a:t>
             </a:r>
             <a:endParaRPr/>
           </a:p>
@@ -7749,7 +8081,18 @@
               <a:lnSpc>
                 <a:spcPct val="100000"/>
               </a:lnSpc>
-            </a:pPr>
+              <a:buFont typeface="Arial"/>
+              <a:buChar char="•"/>
+            </a:pPr>
+            <a:r>
+              <a:rPr lang="en-US" sz="1700">
+                <a:solidFill>
+                  <a:srgbClr val="ffffff"/>
+                </a:solidFill>
+                <a:latin typeface="Arial Narrow"/>
+              </a:rPr>
+              <a:t>Start working at age 22 and live until the average age of 85.45.</a:t>
+            </a:r>
             <a:endParaRPr/>
           </a:p>
           <a:p>
@@ -7757,6 +8100,8 @@
               <a:lnSpc>
                 <a:spcPct val="100000"/>
               </a:lnSpc>
+              <a:buFont typeface="Arial"/>
+              <a:buChar char="•"/>
             </a:pPr>
             <a:r>
               <a:rPr lang="en-US" sz="1700">
@@ -7765,7 +8110,7 @@
                 </a:solidFill>
                 <a:latin typeface="Arial Narrow"/>
               </a:rPr>
-              <a:t>The return on Social Security and 401K can be combined during retirement to provide a good quality of life.</a:t>
+              <a:t>Start contribution to 401K at 22 with initial contribution of $8,500 and $17,500 thereafter.</a:t>
             </a:r>
             <a:endParaRPr/>
           </a:p>
@@ -7774,10 +8119,71 @@
               <a:lnSpc>
                 <a:spcPct val="100000"/>
               </a:lnSpc>
-            </a:pPr>
-            <a:endParaRPr/>
-          </a:p>
-        </p:txBody>
+              <a:buFont typeface="Arial"/>
+              <a:buChar char="•"/>
+            </a:pPr>
+            <a:r>
+              <a:rPr lang="en-US" sz="1700">
+                <a:solidFill>
+                  <a:srgbClr val="ffffff"/>
+                </a:solidFill>
+                <a:latin typeface="Arial Narrow"/>
+              </a:rPr>
+              <a:t>For the 401k balance, assume a growth rate of 7% compounded over contribution period.</a:t>
+            </a:r>
+            <a:endParaRPr/>
+          </a:p>
+          <a:p>
+            <a:pPr>
+              <a:lnSpc>
+                <a:spcPct val="100000"/>
+              </a:lnSpc>
+              <a:buFont typeface="Arial"/>
+              <a:buChar char="•"/>
+            </a:pPr>
+            <a:endParaRPr/>
+          </a:p>
+        </p:txBody>
+      </p:sp>
+      <p:sp>
+        <p:nvSpPr>
+          <p:cNvPr id="206" name="CustomShape 3"/>
+          <p:cNvSpPr/>
+          <p:nvPr/>
+        </p:nvSpPr>
+        <p:spPr>
+          <a:xfrm>
+            <a:off x="0" y="0"/>
+            <a:ext cx="9143640" cy="360"/>
+          </a:xfrm>
+          <a:prstGeom prst="rect">
+            <a:avLst/>
+          </a:prstGeom>
+          <a:noFill/>
+          <a:ln w="9360">
+            <a:noFill/>
+          </a:ln>
+        </p:spPr>
+      </p:sp>
+      <p:sp>
+        <p:nvSpPr>
+          <p:cNvPr id="207" name="CustomShape 4"/>
+          <p:cNvSpPr/>
+          <p:nvPr/>
+        </p:nvSpPr>
+        <p:spPr>
+          <a:xfrm>
+            <a:off x="0" y="0"/>
+            <a:ext cx="9143640" cy="360"/>
+          </a:xfrm>
+          <a:prstGeom prst="rect">
+            <a:avLst/>
+          </a:prstGeom>
+          <a:noFill/>
+          <a:ln w="9360">
+            <a:noFill/>
+          </a:ln>
+        </p:spPr>
       </p:sp>
     </p:spTree>
   </p:cSld>
@@ -7830,7 +8236,7 @@
       </p:grpSpPr>
       <p:sp>
         <p:nvSpPr>
-          <p:cNvPr id="206" name="TextShape 1"/>
+          <p:cNvPr id="208" name="TextShape 1"/>
           <p:cNvSpPr txBox="1"/>
           <p:nvPr/>
         </p:nvSpPr>
@@ -7858,37 +8264,81 @@
                 </a:solidFill>
                 <a:latin typeface="Arial Narrow"/>
               </a:rPr>
-              <a:t>Project 2: Q &amp; A</a:t>
-            </a:r>
-            <a:endParaRPr/>
-          </a:p>
-        </p:txBody>
-      </p:sp>
-      <p:pic>
-        <p:nvPicPr>
-          <p:cNvPr id="207" name="Content Placeholder 7" descr=""/>
-          <p:cNvPicPr/>
+              <a:t>CoNCLUSION</a:t>
+            </a:r>
+            <a:endParaRPr/>
+          </a:p>
+        </p:txBody>
+      </p:sp>
+      <p:sp>
+        <p:nvSpPr>
+          <p:cNvPr id="209" name="TextShape 2"/>
+          <p:cNvSpPr txBox="1"/>
           <p:nvPr/>
-        </p:nvPicPr>
-        <p:blipFill>
-          <a:blip r:embed="rId1"/>
-          <a:stretch>
-            <a:fillRect/>
-          </a:stretch>
-        </p:blipFill>
-        <p:spPr>
-          <a:xfrm>
-            <a:off x="1714680" y="1416240"/>
-            <a:ext cx="5713920" cy="4025160"/>
-          </a:xfrm>
-          <a:prstGeom prst="rect">
-            <a:avLst/>
-          </a:prstGeom>
-          <a:ln>
-            <a:noFill/>
-          </a:ln>
-        </p:spPr>
-      </p:pic>
+        </p:nvSpPr>
+        <p:spPr>
+          <a:xfrm>
+            <a:off x="609480" y="1143000"/>
+            <a:ext cx="7924320" cy="4571640"/>
+          </a:xfrm>
+          <a:prstGeom prst="rect">
+            <a:avLst/>
+          </a:prstGeom>
+        </p:spPr>
+        <p:txBody>
+          <a:bodyPr/>
+          <a:p>
+            <a:pPr>
+              <a:lnSpc>
+                <a:spcPct val="100000"/>
+              </a:lnSpc>
+            </a:pPr>
+            <a:r>
+              <a:rPr lang="en-US" sz="1700">
+                <a:solidFill>
+                  <a:srgbClr val="ffffff"/>
+                </a:solidFill>
+                <a:latin typeface="Arial Narrow"/>
+              </a:rPr>
+              <a:t>This best way to maximize savings for retirement is to maximize contributions into a 401K account as early as possible on the planning horizon. </a:t>
+            </a:r>
+            <a:endParaRPr/>
+          </a:p>
+          <a:p>
+            <a:pPr>
+              <a:lnSpc>
+                <a:spcPct val="100000"/>
+              </a:lnSpc>
+            </a:pPr>
+            <a:endParaRPr/>
+          </a:p>
+          <a:p>
+            <a:pPr>
+              <a:lnSpc>
+                <a:spcPct val="100000"/>
+              </a:lnSpc>
+            </a:pPr>
+            <a:r>
+              <a:rPr lang="en-US" sz="1700">
+                <a:solidFill>
+                  <a:srgbClr val="ffffff"/>
+                </a:solidFill>
+                <a:latin typeface="Arial Narrow"/>
+              </a:rPr>
+              <a:t>The return on Social Security and 401K can be combined during retirement to provide a good quality of life.</a:t>
+            </a:r>
+            <a:endParaRPr/>
+          </a:p>
+          <a:p>
+            <a:pPr>
+              <a:lnSpc>
+                <a:spcPct val="100000"/>
+              </a:lnSpc>
+            </a:pPr>
+            <a:endParaRPr/>
+          </a:p>
+        </p:txBody>
+      </p:sp>
     </p:spTree>
   </p:cSld>
   <p:timing>
@@ -7940,14 +8390,14 @@
       </p:grpSpPr>
       <p:sp>
         <p:nvSpPr>
-          <p:cNvPr id="208" name="TextShape 1"/>
+          <p:cNvPr id="210" name="TextShape 1"/>
           <p:cNvSpPr txBox="1"/>
           <p:nvPr/>
         </p:nvSpPr>
         <p:spPr>
           <a:xfrm>
-            <a:off x="685800" y="2133720"/>
-            <a:ext cx="7924320" cy="1142640"/>
+            <a:off x="609480" y="274680"/>
+            <a:ext cx="7924320" cy="715680"/>
           </a:xfrm>
           <a:prstGeom prst="rect">
             <a:avLst/>
@@ -7956,7 +8406,7 @@
         <p:txBody>
           <a:bodyPr anchor="b"/>
           <a:p>
-            <a:pPr algn="ctr">
+            <a:pPr>
               <a:lnSpc>
                 <a:spcPct val="100000"/>
               </a:lnSpc>
@@ -7968,12 +8418,37 @@
                 </a:solidFill>
                 <a:latin typeface="Arial Narrow"/>
               </a:rPr>
-              <a:t>Thank you</a:t>
-            </a:r>
-            <a:endParaRPr/>
-          </a:p>
-        </p:txBody>
-      </p:sp>
+              <a:t>Project 2: Q &amp; A</a:t>
+            </a:r>
+            <a:endParaRPr/>
+          </a:p>
+        </p:txBody>
+      </p:sp>
+      <p:pic>
+        <p:nvPicPr>
+          <p:cNvPr id="211" name="Content Placeholder 7" descr=""/>
+          <p:cNvPicPr/>
+          <p:nvPr/>
+        </p:nvPicPr>
+        <p:blipFill>
+          <a:blip r:embed="rId1"/>
+          <a:stretch>
+            <a:fillRect/>
+          </a:stretch>
+        </p:blipFill>
+        <p:spPr>
+          <a:xfrm>
+            <a:off x="1714680" y="1416240"/>
+            <a:ext cx="5713920" cy="4025160"/>
+          </a:xfrm>
+          <a:prstGeom prst="rect">
+            <a:avLst/>
+          </a:prstGeom>
+          <a:ln>
+            <a:noFill/>
+          </a:ln>
+        </p:spPr>
+      </p:pic>
     </p:spTree>
   </p:cSld>
   <p:timing>
@@ -8025,14 +8500,14 @@
       </p:grpSpPr>
       <p:sp>
         <p:nvSpPr>
-          <p:cNvPr id="209" name="TextShape 1"/>
+          <p:cNvPr id="212" name="TextShape 1"/>
           <p:cNvSpPr txBox="1"/>
           <p:nvPr/>
         </p:nvSpPr>
         <p:spPr>
           <a:xfrm>
-            <a:off x="609480" y="274680"/>
-            <a:ext cx="7924320" cy="715680"/>
+            <a:off x="685800" y="2133720"/>
+            <a:ext cx="7924320" cy="1142640"/>
           </a:xfrm>
           <a:prstGeom prst="rect">
             <a:avLst/>
@@ -8041,7 +8516,7 @@
         <p:txBody>
           <a:bodyPr anchor="b"/>
           <a:p>
-            <a:pPr>
+            <a:pPr algn="ctr">
               <a:lnSpc>
                 <a:spcPct val="100000"/>
               </a:lnSpc>
@@ -8053,158 +8528,11 @@
                 </a:solidFill>
                 <a:latin typeface="Arial Narrow"/>
               </a:rPr>
-              <a:t>References</a:t>
-            </a:r>
-            <a:endParaRPr/>
-          </a:p>
-        </p:txBody>
-      </p:sp>
-      <p:sp>
-        <p:nvSpPr>
-          <p:cNvPr id="210" name="TextShape 2"/>
-          <p:cNvSpPr txBox="1"/>
-          <p:nvPr/>
-        </p:nvSpPr>
-        <p:spPr>
-          <a:xfrm>
-            <a:off x="609480" y="1143000"/>
-            <a:ext cx="7924320" cy="4571640"/>
-          </a:xfrm>
-          <a:prstGeom prst="rect">
-            <a:avLst/>
-          </a:prstGeom>
-        </p:spPr>
-        <p:txBody>
-          <a:bodyPr/>
-          <a:p>
-            <a:pPr>
-              <a:lnSpc>
-                <a:spcPct val="100000"/>
-              </a:lnSpc>
-            </a:pPr>
-            <a:r>
-              <a:rPr lang="en-US" sz="1700">
-                <a:solidFill>
-                  <a:srgbClr val="ffffff"/>
-                </a:solidFill>
-                <a:latin typeface="Arial Narrow"/>
-              </a:rPr>
-              <a:t>Retirement Statistics For Americans as of 2014</a:t>
-            </a:r>
-            <a:endParaRPr/>
-          </a:p>
-          <a:p>
-            <a:pPr>
-              <a:lnSpc>
-                <a:spcPct val="100000"/>
-              </a:lnSpc>
-              <a:buFont typeface="Arial"/>
-              <a:buChar char="•"/>
-            </a:pPr>
-            <a:r>
-              <a:rPr lang="en-US" sz="1700">
-                <a:solidFill>
-                  <a:srgbClr val="ffffff"/>
-                </a:solidFill>
-                <a:latin typeface="Arial Narrow"/>
-              </a:rPr>
-              <a:t>Retirement Statistics: </a:t>
-            </a:r>
-            <a:r>
-              <a:rPr lang="en-US" sz="1700">
-                <a:solidFill>
-                  <a:srgbClr val="ffffff"/>
-                </a:solidFill>
-                <a:latin typeface="Arial Narrow"/>
-              </a:rPr>
-              <a:t>www.statisticbrain.com/retirement-statistics/</a:t>
-            </a:r>
-            <a:endParaRPr/>
-          </a:p>
-          <a:p>
-            <a:pPr lvl="1">
-              <a:buSzPct val="75000"/>
-              <a:buFont typeface="StarSymbol"/>
-              <a:buChar char=""/>
-            </a:pPr>
-            <a:r>
-              <a:rPr lang="en-US" sz="1700">
-                <a:solidFill>
-                  <a:srgbClr val="ffffff"/>
-                </a:solidFill>
-                <a:latin typeface="Arial Narrow"/>
-              </a:rPr>
-              <a:t>Source: US Census Bureau, Saperston Companies, Bankrate; July 13</a:t>
-            </a:r>
-            <a:r>
-              <a:rPr lang="en-US" sz="1700" baseline="101000">
-                <a:solidFill>
-                  <a:srgbClr val="ffffff"/>
-                </a:solidFill>
-                <a:latin typeface="Arial Narrow"/>
-              </a:rPr>
-              <a:t>th</a:t>
-            </a:r>
-            <a:r>
-              <a:rPr lang="en-US" sz="1700">
-                <a:solidFill>
-                  <a:srgbClr val="ffffff"/>
-                </a:solidFill>
-                <a:latin typeface="Arial Narrow"/>
-              </a:rPr>
-              <a:t>, 2014</a:t>
-            </a:r>
-            <a:endParaRPr/>
-          </a:p>
-          <a:p>
-            <a:pPr>
-              <a:lnSpc>
-                <a:spcPct val="100000"/>
-              </a:lnSpc>
-            </a:pPr>
-            <a:endParaRPr/>
-          </a:p>
-        </p:txBody>
-      </p:sp>
-      <p:sp>
-        <p:nvSpPr>
-          <p:cNvPr id="211" name="CustomShape 3"/>
-          <p:cNvSpPr/>
-          <p:nvPr/>
-        </p:nvSpPr>
-        <p:spPr>
-          <a:xfrm>
-            <a:off x="0" y="0"/>
-            <a:ext cx="9143640" cy="360"/>
-          </a:xfrm>
-          <a:prstGeom prst="rect">
-            <a:avLst/>
-          </a:prstGeom>
-          <a:noFill/>
-          <a:ln w="9360">
-            <a:noFill/>
-          </a:ln>
-        </p:spPr>
-      </p:sp>
-      <p:sp>
-        <p:nvSpPr>
-          <p:cNvPr id="212" name="CustomShape 4"/>
-          <p:cNvSpPr/>
-          <p:nvPr/>
-        </p:nvSpPr>
-        <p:spPr>
-          <a:xfrm>
-            <a:off x="0" y="0"/>
-            <a:ext cx="9143640" cy="360"/>
-          </a:xfrm>
-          <a:prstGeom prst="rect">
-            <a:avLst/>
-          </a:prstGeom>
-          <a:noFill/>
-          <a:ln w="9360">
-            <a:noFill/>
-          </a:ln>
-        </p:spPr>
+              <a:t>Thank you</a:t>
+            </a:r>
+            <a:endParaRPr/>
+          </a:p>
+        </p:txBody>
       </p:sp>
     </p:spTree>
   </p:cSld>
@@ -8215,6 +8543,390 @@
           <p:childTnLst>
             <p:seq>
               <p:cTn id="46" nodeType="mainSeq"/>
+              <p:prevCondLst>
+                <p:cond delay="0" evt="onPrev">
+                  <p:tgtEl>
+                    <p:sldTgt/>
+                  </p:tgtEl>
+                </p:cond>
+              </p:prevCondLst>
+              <p:nextCondLst>
+                <p:cond delay="0" evt="onNext">
+                  <p:tgtEl>
+                    <p:sldTgt/>
+                  </p:tgtEl>
+                </p:cond>
+              </p:nextCondLst>
+            </p:seq>
+          </p:childTnLst>
+        </p:cTn>
+      </p:par>
+    </p:tnLst>
+  </p:timing>
+</p:sld>
+</file>
+
+<file path=ppt/slides/slide24.xml><?xml version="1.0" encoding="utf-8"?>
+<p:sld xmlns:a="http://schemas.openxmlformats.org/drawingml/2006/main" xmlns:p="http://schemas.openxmlformats.org/presentationml/2006/main" xmlns:r="http://schemas.openxmlformats.org/officeDocument/2006/relationships">
+  <p:cSld>
+    <p:spTree>
+      <p:nvGrpSpPr>
+        <p:cNvPr id="1" name=""/>
+        <p:cNvGrpSpPr/>
+        <p:nvPr/>
+      </p:nvGrpSpPr>
+      <p:grpSpPr>
+        <a:xfrm>
+          <a:off x="0" y="0"/>
+          <a:ext cx="0" cy="0"/>
+          <a:chOff x="0" y="0"/>
+          <a:chExt cx="0" cy="0"/>
+        </a:xfrm>
+      </p:grpSpPr>
+      <p:sp>
+        <p:nvSpPr>
+          <p:cNvPr id="213" name="TextShape 1"/>
+          <p:cNvSpPr txBox="1"/>
+          <p:nvPr/>
+        </p:nvSpPr>
+        <p:spPr>
+          <a:xfrm>
+            <a:off x="609480" y="274680"/>
+            <a:ext cx="7924320" cy="715680"/>
+          </a:xfrm>
+          <a:prstGeom prst="rect">
+            <a:avLst/>
+          </a:prstGeom>
+        </p:spPr>
+        <p:txBody>
+          <a:bodyPr anchor="b"/>
+          <a:p>
+            <a:pPr>
+              <a:lnSpc>
+                <a:spcPct val="100000"/>
+              </a:lnSpc>
+            </a:pPr>
+            <a:r>
+              <a:rPr lang="en-US" sz="3000">
+                <a:solidFill>
+                  <a:srgbClr val="ffffff"/>
+                </a:solidFill>
+                <a:latin typeface="Arial Narrow"/>
+              </a:rPr>
+              <a:t>References</a:t>
+            </a:r>
+            <a:endParaRPr/>
+          </a:p>
+        </p:txBody>
+      </p:sp>
+      <p:sp>
+        <p:nvSpPr>
+          <p:cNvPr id="214" name="TextShape 2"/>
+          <p:cNvSpPr txBox="1"/>
+          <p:nvPr/>
+        </p:nvSpPr>
+        <p:spPr>
+          <a:xfrm>
+            <a:off x="609480" y="1143000"/>
+            <a:ext cx="7924320" cy="4571640"/>
+          </a:xfrm>
+          <a:prstGeom prst="rect">
+            <a:avLst/>
+          </a:prstGeom>
+        </p:spPr>
+        <p:txBody>
+          <a:bodyPr/>
+          <a:p>
+            <a:pPr>
+              <a:lnSpc>
+                <a:spcPct val="100000"/>
+              </a:lnSpc>
+            </a:pPr>
+            <a:r>
+              <a:rPr lang="en-US" sz="1700">
+                <a:solidFill>
+                  <a:srgbClr val="ffffff"/>
+                </a:solidFill>
+                <a:latin typeface="Arial Narrow"/>
+              </a:rPr>
+              <a:t>Retirement Statistics For Americans as of 2014</a:t>
+            </a:r>
+            <a:endParaRPr/>
+          </a:p>
+          <a:p>
+            <a:pPr>
+              <a:lnSpc>
+                <a:spcPct val="100000"/>
+              </a:lnSpc>
+              <a:buFont typeface="Arial"/>
+              <a:buChar char="•"/>
+            </a:pPr>
+            <a:r>
+              <a:rPr lang="en-US" sz="1700">
+                <a:solidFill>
+                  <a:srgbClr val="ffffff"/>
+                </a:solidFill>
+                <a:latin typeface="Arial Narrow"/>
+              </a:rPr>
+              <a:t>Retirement Statistics: </a:t>
+            </a:r>
+            <a:endParaRPr/>
+          </a:p>
+          <a:p>
+            <a:pPr lvl="1">
+              <a:buSzPct val="75000"/>
+              <a:buFont typeface="StarSymbol"/>
+              <a:buChar char=""/>
+            </a:pPr>
+            <a:r>
+              <a:rPr lang="en-US" sz="1700">
+                <a:solidFill>
+                  <a:srgbClr val="ffffff"/>
+                </a:solidFill>
+                <a:latin typeface="Arial Narrow"/>
+              </a:rPr>
+              <a:t>Source: US Census Bureau, Saperston Companies, Bankrate; July 13</a:t>
+            </a:r>
+            <a:r>
+              <a:rPr lang="en-US" sz="1700" baseline="101000">
+                <a:solidFill>
+                  <a:srgbClr val="ffffff"/>
+                </a:solidFill>
+                <a:latin typeface="Arial Narrow"/>
+              </a:rPr>
+              <a:t>th</a:t>
+            </a:r>
+            <a:r>
+              <a:rPr lang="en-US" sz="1700">
+                <a:solidFill>
+                  <a:srgbClr val="ffffff"/>
+                </a:solidFill>
+                <a:latin typeface="Arial Narrow"/>
+              </a:rPr>
+              <a:t>, 2014</a:t>
+            </a:r>
+            <a:endParaRPr/>
+          </a:p>
+          <a:p>
+            <a:pPr lvl="1">
+              <a:buSzPct val="75000"/>
+              <a:buFont typeface="StarSymbol"/>
+              <a:buChar char=""/>
+            </a:pPr>
+            <a:r>
+              <a:rPr lang="en-US" sz="1700">
+                <a:solidFill>
+                  <a:srgbClr val="ffffff"/>
+                </a:solidFill>
+                <a:latin typeface="Arial Narrow"/>
+              </a:rPr>
+              <a:t>http://www.statisticbrain.com/retirement-statistics/</a:t>
+            </a:r>
+            <a:endParaRPr/>
+          </a:p>
+          <a:p>
+            <a:pPr>
+              <a:lnSpc>
+                <a:spcPct val="100000"/>
+              </a:lnSpc>
+              <a:buFont typeface="Arial"/>
+              <a:buChar char="•"/>
+            </a:pPr>
+            <a:r>
+              <a:rPr lang="en-US" sz="1700">
+                <a:solidFill>
+                  <a:srgbClr val="ffffff"/>
+                </a:solidFill>
+                <a:latin typeface="Arial Narrow"/>
+              </a:rPr>
+              <a:t>SSA Main Dataset: Annual Statistical Supplement, 2013</a:t>
+            </a:r>
+            <a:endParaRPr/>
+          </a:p>
+          <a:p>
+            <a:pPr lvl="1">
+              <a:buSzPct val="75000"/>
+              <a:buFont typeface="StarSymbol"/>
+              <a:buChar char=""/>
+            </a:pPr>
+            <a:r>
+              <a:rPr lang="en-US" sz="1700">
+                <a:solidFill>
+                  <a:srgbClr val="ffffff"/>
+                </a:solidFill>
+                <a:latin typeface="Arial Narrow"/>
+              </a:rPr>
+              <a:t>http://www.ssa.gov/policy/docs/statcomps/supplement/2013/</a:t>
+            </a:r>
+            <a:endParaRPr/>
+          </a:p>
+          <a:p>
+            <a:pPr>
+              <a:lnSpc>
+                <a:spcPct val="100000"/>
+              </a:lnSpc>
+              <a:buFont typeface="Arial"/>
+              <a:buChar char="•"/>
+            </a:pPr>
+            <a:r>
+              <a:rPr lang="en-US" sz="1700">
+                <a:solidFill>
+                  <a:srgbClr val="ffffff"/>
+                </a:solidFill>
+                <a:latin typeface="Arial Narrow"/>
+              </a:rPr>
+              <a:t>SSA solvency</a:t>
+            </a:r>
+            <a:endParaRPr/>
+          </a:p>
+          <a:p>
+            <a:pPr lvl="1">
+              <a:buSzPct val="75000"/>
+              <a:buFont typeface="StarSymbol"/>
+              <a:buChar char=""/>
+            </a:pPr>
+            <a:r>
+              <a:rPr lang="en-US" sz="1700">
+                <a:solidFill>
+                  <a:srgbClr val="ffffff"/>
+                </a:solidFill>
+                <a:latin typeface="Arial Narrow"/>
+              </a:rPr>
+              <a:t>http://www.ssa.gov/policy/docs/ssb/v70n3/v70n3p111.html</a:t>
+            </a:r>
+            <a:endParaRPr/>
+          </a:p>
+          <a:p>
+            <a:pPr>
+              <a:lnSpc>
+                <a:spcPct val="100000"/>
+              </a:lnSpc>
+              <a:buFont typeface="Arial"/>
+              <a:buChar char="•"/>
+            </a:pPr>
+            <a:r>
+              <a:rPr lang="en-US" sz="1700">
+                <a:solidFill>
+                  <a:srgbClr val="ffffff"/>
+                </a:solidFill>
+                <a:latin typeface="Arial Narrow"/>
+              </a:rPr>
+              <a:t>401K Contribution and Balance Amount</a:t>
+            </a:r>
+            <a:endParaRPr/>
+          </a:p>
+          <a:p>
+            <a:pPr lvl="1">
+              <a:buSzPct val="75000"/>
+              <a:buFont typeface="StarSymbol"/>
+              <a:buChar char=""/>
+            </a:pPr>
+            <a:r>
+              <a:rPr lang="en-US" sz="1700">
+                <a:solidFill>
+                  <a:srgbClr val="ffffff"/>
+                </a:solidFill>
+                <a:latin typeface="Arial Narrow"/>
+              </a:rPr>
+              <a:t>https://blog.personalcapital.com/financial-planning-2/average-401k-balance-age/</a:t>
+            </a:r>
+            <a:endParaRPr/>
+          </a:p>
+          <a:p>
+            <a:pPr>
+              <a:lnSpc>
+                <a:spcPct val="100000"/>
+              </a:lnSpc>
+              <a:buFont typeface="Arial"/>
+              <a:buChar char="•"/>
+            </a:pPr>
+            <a:r>
+              <a:rPr lang="en-US" sz="1700">
+                <a:solidFill>
+                  <a:srgbClr val="ffffff"/>
+                </a:solidFill>
+                <a:latin typeface="Arial Narrow"/>
+              </a:rPr>
+              <a:t>401K Required Withdrawals</a:t>
+            </a:r>
+            <a:endParaRPr/>
+          </a:p>
+          <a:p>
+            <a:pPr lvl="1">
+              <a:buSzPct val="75000"/>
+              <a:buFont typeface="StarSymbol"/>
+              <a:buChar char=""/>
+            </a:pPr>
+            <a:r>
+              <a:rPr lang="en-US" sz="1700">
+                <a:solidFill>
+                  <a:srgbClr val="ffffff"/>
+                </a:solidFill>
+                <a:latin typeface="Arial Narrow"/>
+              </a:rPr>
+              <a:t>http://www.irs.gov/Retirement-Plans/Plan-Participant,-Employee/Retirement-Topics-Required-Minimum-Distributions-%28RMDs%29</a:t>
+            </a:r>
+            <a:endParaRPr/>
+          </a:p>
+          <a:p>
+            <a:pPr lvl="1">
+              <a:buSzPct val="75000"/>
+              <a:buFont typeface="StarSymbol"/>
+              <a:buChar char=""/>
+            </a:pPr>
+            <a:endParaRPr/>
+          </a:p>
+        </p:txBody>
+      </p:sp>
+      <p:sp>
+        <p:nvSpPr>
+          <p:cNvPr id="215" name="CustomShape 3"/>
+          <p:cNvSpPr/>
+          <p:nvPr/>
+        </p:nvSpPr>
+        <p:spPr>
+          <a:xfrm>
+            <a:off x="0" y="0"/>
+            <a:ext cx="9143640" cy="360"/>
+          </a:xfrm>
+          <a:prstGeom prst="rect">
+            <a:avLst/>
+          </a:prstGeom>
+          <a:noFill/>
+          <a:ln w="9360">
+            <a:noFill/>
+          </a:ln>
+        </p:spPr>
+      </p:sp>
+      <p:sp>
+        <p:nvSpPr>
+          <p:cNvPr id="216" name="CustomShape 4"/>
+          <p:cNvSpPr/>
+          <p:nvPr/>
+        </p:nvSpPr>
+        <p:spPr>
+          <a:xfrm>
+            <a:off x="0" y="0"/>
+            <a:ext cx="9143640" cy="360"/>
+          </a:xfrm>
+          <a:prstGeom prst="rect">
+            <a:avLst/>
+          </a:prstGeom>
+          <a:noFill/>
+          <a:ln w="9360">
+            <a:noFill/>
+          </a:ln>
+        </p:spPr>
+      </p:sp>
+    </p:spTree>
+  </p:cSld>
+  <p:timing>
+    <p:tnLst>
+      <p:par>
+        <p:cTn id="47" dur="indefinite" restart="never" nodeType="tmRoot">
+          <p:childTnLst>
+            <p:seq>
+              <p:cTn id="48" nodeType="mainSeq"/>
               <p:prevCondLst>
                 <p:cond delay="0" evt="onPrev">
                   <p:tgtEl>
